--- a/presentation_Pythonic.pptx
+++ b/presentation_Pythonic.pptx
@@ -17019,12 +17019,20 @@
           <a:lstStyle/>
           <a:p>
             <a:r>
+              <a:rPr lang="nl-NL" dirty="0">
+                <a:solidFill>
+                  <a:schemeClr val="bg1"/>
+                </a:solidFill>
+              </a:rPr>
+              <a:t>Take </a:t>
+            </a:r>
+            <a:r>
               <a:rPr lang="nl-NL" dirty="0" err="1">
                 <a:solidFill>
                   <a:schemeClr val="bg1"/>
                 </a:solidFill>
               </a:rPr>
-              <a:t>Learnings</a:t>
+              <a:t>away</a:t>
             </a:r>
             <a:r>
               <a:rPr lang="nl-NL" dirty="0">
@@ -17032,7 +17040,7 @@
                   <a:schemeClr val="bg1"/>
                 </a:solidFill>
               </a:rPr>
-              <a:t> timer</a:t>
+              <a:t> - 4 - timer</a:t>
             </a:r>
           </a:p>
         </p:txBody>
@@ -18295,7 +18303,7 @@
                 <a:cs typeface="Consolas" panose="020B0609020204030204" pitchFamily="49" charset="0"/>
                 <a:hlinkClick r:id="rId2"/>
               </a:rPr>
-              <a:t>https://github.com/aufbakanleitung/pythonic.git</a:t>
+              <a:t>https://github.com/aufbakanleitung/be_pythonic.git</a:t>
             </a:r>
             <a:endParaRPr lang="nl-NL" sz="2400" b="1" dirty="0">
               <a:solidFill>
@@ -18914,12 +18922,20 @@
           <a:lstStyle/>
           <a:p>
             <a:r>
+              <a:rPr lang="nl-NL" dirty="0">
+                <a:solidFill>
+                  <a:schemeClr val="bg1"/>
+                </a:solidFill>
+              </a:rPr>
+              <a:t>Take </a:t>
+            </a:r>
+            <a:r>
               <a:rPr lang="nl-NL" dirty="0" err="1">
                 <a:solidFill>
                   <a:schemeClr val="bg1"/>
                 </a:solidFill>
               </a:rPr>
-              <a:t>Learnings</a:t>
+              <a:t>away</a:t>
             </a:r>
             <a:r>
               <a:rPr lang="nl-NL" dirty="0">
@@ -18927,7 +18943,7 @@
                   <a:schemeClr val="bg1"/>
                 </a:solidFill>
               </a:rPr>
-              <a:t> 1</a:t>
+              <a:t> - 1</a:t>
             </a:r>
           </a:p>
         </p:txBody>
@@ -19729,12 +19745,20 @@
           <a:lstStyle/>
           <a:p>
             <a:r>
+              <a:rPr lang="nl-NL" dirty="0">
+                <a:solidFill>
+                  <a:schemeClr val="bg1"/>
+                </a:solidFill>
+              </a:rPr>
+              <a:t>Take </a:t>
+            </a:r>
+            <a:r>
               <a:rPr lang="nl-NL" dirty="0" err="1">
                 <a:solidFill>
                   <a:schemeClr val="bg1"/>
                 </a:solidFill>
               </a:rPr>
-              <a:t>Learnings</a:t>
+              <a:t>away</a:t>
             </a:r>
             <a:r>
               <a:rPr lang="nl-NL" dirty="0">
@@ -19742,7 +19766,7 @@
                   <a:schemeClr val="bg1"/>
                 </a:solidFill>
               </a:rPr>
-              <a:t> 2</a:t>
+              <a:t> - 2</a:t>
             </a:r>
           </a:p>
         </p:txBody>
@@ -20558,12 +20582,20 @@
           <a:lstStyle/>
           <a:p>
             <a:r>
+              <a:rPr lang="nl-NL" dirty="0">
+                <a:solidFill>
+                  <a:schemeClr val="bg1"/>
+                </a:solidFill>
+              </a:rPr>
+              <a:t>Take </a:t>
+            </a:r>
+            <a:r>
               <a:rPr lang="nl-NL" dirty="0" err="1">
                 <a:solidFill>
                   <a:schemeClr val="bg1"/>
                 </a:solidFill>
               </a:rPr>
-              <a:t>Learnings</a:t>
+              <a:t>away</a:t>
             </a:r>
             <a:r>
               <a:rPr lang="nl-NL" dirty="0">
@@ -20571,7 +20603,7 @@
                   <a:schemeClr val="bg1"/>
                 </a:solidFill>
               </a:rPr>
-              <a:t> </a:t>
+              <a:t> - 3 - </a:t>
             </a:r>
             <a:r>
               <a:rPr lang="nl-NL" dirty="0" err="1">
@@ -21589,6 +21621,15 @@
 </file>
 
 <file path=customXml/item1.xml><?xml version="1.0" encoding="utf-8"?>
+<?mso-contentType ?>
+<FormTemplates xmlns="http://schemas.microsoft.com/sharepoint/v3/contenttype/forms">
+  <Display>DocumentLibraryForm</Display>
+  <Edit>DocumentLibraryForm</Edit>
+  <New>DocumentLibraryForm</New>
+</FormTemplates>
+</file>
+
+<file path=customXml/item2.xml><?xml version="1.0" encoding="utf-8"?>
 <ct:contentTypeSchema xmlns:ct="http://schemas.microsoft.com/office/2006/metadata/contentType" xmlns:ma="http://schemas.microsoft.com/office/2006/metadata/properties/metaAttributes" ct:_="" ma:_="" ma:contentTypeName="Document" ma:contentTypeID="0x010100E22AFA8CBA7E4A429CA01F5F88F7E960" ma:contentTypeVersion="18" ma:contentTypeDescription="Create a new document." ma:contentTypeScope="" ma:versionID="6eac5708c01231d6b28c73c8b385e79c">
   <xsd:schema xmlns:xsd="http://www.w3.org/2001/XMLSchema" xmlns:xs="http://www.w3.org/2001/XMLSchema" xmlns:p="http://schemas.microsoft.com/office/2006/metadata/properties" xmlns:ns1="http://schemas.microsoft.com/sharepoint/v3" xmlns:ns2="f1097368-b32d-44af-b1b1-c0b0a50cf951" xmlns:ns3="http://schemas.debble.com/" xmlns:ns4="899c6911-a69e-4e22-8b8b-0b3f3dd72814" targetNamespace="http://schemas.microsoft.com/office/2006/metadata/properties" ma:root="true" ma:fieldsID="f6abb8339ac61a8a0c8e4a130db4f196" ns1:_="" ns2:_="" ns3:_="" ns4:_="">
     <xsd:import namespace="http://schemas.microsoft.com/sharepoint/v3"/>
@@ -21847,15 +21888,6 @@
 </ct:contentTypeSchema>
 </file>
 
-<file path=customXml/item2.xml><?xml version="1.0" encoding="utf-8"?>
-<?mso-contentType ?>
-<FormTemplates xmlns="http://schemas.microsoft.com/sharepoint/v3/contenttype/forms">
-  <Display>DocumentLibraryForm</Display>
-  <Edit>DocumentLibraryForm</Edit>
-  <New>DocumentLibraryForm</New>
-</FormTemplates>
-</file>
-
 <file path=customXml/item3.xml><?xml version="1.0" encoding="utf-8"?>
 <p:properties xmlns:p="http://schemas.microsoft.com/office/2006/metadata/properties" xmlns:xsi="http://www.w3.org/2001/XMLSchema-instance" xmlns:pc="http://schemas.microsoft.com/office/infopath/2007/PartnerControls">
   <documentManagement>
@@ -21886,6 +21918,14 @@
 </file>
 
 <file path=customXml/itemProps1.xml><?xml version="1.0" encoding="utf-8"?>
+<ds:datastoreItem xmlns:ds="http://schemas.openxmlformats.org/officeDocument/2006/customXml" ds:itemID="{36EF93B1-A4A9-46AE-9BE6-12BC5D8BC874}">
+  <ds:schemaRefs>
+    <ds:schemaRef ds:uri="http://schemas.microsoft.com/sharepoint/v3/contenttype/forms"/>
+  </ds:schemaRefs>
+</ds:datastoreItem>
+</file>
+
+<file path=customXml/itemProps2.xml><?xml version="1.0" encoding="utf-8"?>
 <ds:datastoreItem xmlns:ds="http://schemas.openxmlformats.org/officeDocument/2006/customXml" ds:itemID="{0D443C15-5143-4AA1-8A89-5A1F9811DCDB}">
   <ds:schemaRefs>
     <ds:schemaRef ds:uri="http://schemas.microsoft.com/office/2006/metadata/contentType"/>
@@ -21902,14 +21942,6 @@
     <ds:schemaRef ds:uri="http://purl.org/dc/elements/1.1/"/>
     <ds:schemaRef ds:uri="http://purl.org/dc/terms/"/>
     <ds:schemaRef ds:uri="http://schemas.microsoft.com/internal/obd"/>
-  </ds:schemaRefs>
-</ds:datastoreItem>
-</file>
-
-<file path=customXml/itemProps2.xml><?xml version="1.0" encoding="utf-8"?>
-<ds:datastoreItem xmlns:ds="http://schemas.openxmlformats.org/officeDocument/2006/customXml" ds:itemID="{36EF93B1-A4A9-46AE-9BE6-12BC5D8BC874}">
-  <ds:schemaRefs>
-    <ds:schemaRef ds:uri="http://schemas.microsoft.com/sharepoint/v3/contenttype/forms"/>
   </ds:schemaRefs>
 </ds:datastoreItem>
 </file>
